--- a/week8/part6/인사정보페이지_공부내용.pptx
+++ b/week8/part6/인사정보페이지_공부내용.pptx
@@ -4080,7 +4080,7 @@
         <p:spPr>
           <a:xfrm>
             <a:off x="5397131" y="2086653"/>
-            <a:ext cx="5707012" cy="1477328"/>
+            <a:ext cx="5707012" cy="2308324"/>
           </a:xfrm>
           <a:prstGeom prst="rect">
             <a:avLst/>
@@ -4143,6 +4143,47 @@
               <a:rPr lang="ko-KR" altLang="en-US" dirty="0"/>
               <a:t>일 진행예정</a:t>
             </a:r>
+            <a:endParaRPr lang="en-US" altLang="ko-KR" dirty="0"/>
+          </a:p>
+          <a:p>
+            <a:endParaRPr lang="en-US" altLang="ko-KR" dirty="0"/>
+          </a:p>
+          <a:p>
+            <a:r>
+              <a:rPr lang="en-US" altLang="ko-KR" dirty="0"/>
+              <a:t>(Onclick</a:t>
+            </a:r>
+            <a:r>
+              <a:rPr lang="ko-KR" altLang="en-US" dirty="0"/>
+              <a:t> 이벤트 밖으로 넣기 작업 완료</a:t>
+            </a:r>
+            <a:r>
+              <a:rPr lang="en-US" altLang="ko-KR" dirty="0"/>
+              <a:t>..</a:t>
+            </a:r>
+          </a:p>
+          <a:p>
+            <a:r>
+              <a:rPr lang="ko-KR" altLang="en-US" dirty="0" err="1"/>
+              <a:t>먼가</a:t>
+            </a:r>
+            <a:r>
+              <a:rPr lang="ko-KR" altLang="en-US" dirty="0"/>
+              <a:t> </a:t>
+            </a:r>
+            <a:r>
+              <a:rPr lang="ko-KR" altLang="en-US" dirty="0" err="1"/>
+              <a:t>부족한것</a:t>
+            </a:r>
+            <a:r>
+              <a:rPr lang="ko-KR" altLang="en-US" dirty="0"/>
+              <a:t> 같다</a:t>
+            </a:r>
+            <a:r>
+              <a:rPr lang="en-US" altLang="ko-KR"/>
+              <a:t>..)</a:t>
+            </a:r>
+            <a:endParaRPr lang="ko-KR" altLang="en-US" dirty="0"/>
           </a:p>
         </p:txBody>
       </p:sp>
@@ -4314,6 +4355,118 @@
           <a:chExt cx="0" cy="0"/>
         </a:xfrm>
       </p:grpSpPr>
+      <p:sp>
+        <p:nvSpPr>
+          <p:cNvPr id="2" name="TextBox 1">
+            <a:extLst>
+              <a:ext uri="{FF2B5EF4-FFF2-40B4-BE49-F238E27FC236}">
+                <a16:creationId xmlns:a16="http://schemas.microsoft.com/office/drawing/2014/main" id="{F1F935EC-8276-4C5F-AD8C-DB1EC00AA7F5}"/>
+              </a:ext>
+            </a:extLst>
+          </p:cNvPr>
+          <p:cNvSpPr txBox="1"/>
+          <p:nvPr/>
+        </p:nvSpPr>
+        <p:spPr>
+          <a:xfrm>
+            <a:off x="100668" y="260059"/>
+            <a:ext cx="3490058" cy="369332"/>
+          </a:xfrm>
+          <a:prstGeom prst="rect">
+            <a:avLst/>
+          </a:prstGeom>
+          <a:noFill/>
+        </p:spPr>
+        <p:txBody>
+          <a:bodyPr wrap="none" rtlCol="0">
+            <a:spAutoFit/>
+          </a:bodyPr>
+          <a:lstStyle/>
+          <a:p>
+            <a:r>
+              <a:rPr lang="ko-KR" altLang="en-US" dirty="0"/>
+              <a:t>이벤트 </a:t>
+            </a:r>
+            <a:r>
+              <a:rPr lang="ko-KR" altLang="en-US" dirty="0" err="1"/>
+              <a:t>델리게이션</a:t>
+            </a:r>
+            <a:r>
+              <a:rPr lang="en-US" altLang="ko-KR" dirty="0"/>
+              <a:t>(</a:t>
+            </a:r>
+            <a:r>
+              <a:rPr lang="ko-KR" altLang="en-US" dirty="0"/>
+              <a:t>이벤트 위임</a:t>
+            </a:r>
+            <a:r>
+              <a:rPr lang="en-US" altLang="ko-KR" dirty="0"/>
+              <a:t>)</a:t>
+            </a:r>
+            <a:endParaRPr lang="ko-KR" altLang="en-US" dirty="0"/>
+          </a:p>
+        </p:txBody>
+      </p:sp>
+      <p:pic>
+        <p:nvPicPr>
+          <p:cNvPr id="4" name="그림 3">
+            <a:extLst>
+              <a:ext uri="{FF2B5EF4-FFF2-40B4-BE49-F238E27FC236}">
+                <a16:creationId xmlns:a16="http://schemas.microsoft.com/office/drawing/2014/main" id="{96A1967F-60D4-49A2-A21D-175ECBFCBF9C}"/>
+              </a:ext>
+            </a:extLst>
+          </p:cNvPr>
+          <p:cNvPicPr>
+            <a:picLocks noChangeAspect="1"/>
+          </p:cNvPicPr>
+          <p:nvPr/>
+        </p:nvPicPr>
+        <p:blipFill>
+          <a:blip r:embed="rId2"/>
+          <a:stretch>
+            <a:fillRect/>
+          </a:stretch>
+        </p:blipFill>
+        <p:spPr>
+          <a:xfrm>
+            <a:off x="394037" y="1024097"/>
+            <a:ext cx="7897327" cy="4591691"/>
+          </a:xfrm>
+          <a:prstGeom prst="rect">
+            <a:avLst/>
+          </a:prstGeom>
+        </p:spPr>
+      </p:pic>
+      <p:pic>
+        <p:nvPicPr>
+          <p:cNvPr id="5" name="그림 4">
+            <a:extLst>
+              <a:ext uri="{FF2B5EF4-FFF2-40B4-BE49-F238E27FC236}">
+                <a16:creationId xmlns:a16="http://schemas.microsoft.com/office/drawing/2014/main" id="{8D5AF1FF-20C1-430B-9A87-27AED45D2455}"/>
+              </a:ext>
+            </a:extLst>
+          </p:cNvPr>
+          <p:cNvPicPr>
+            <a:picLocks noChangeAspect="1"/>
+          </p:cNvPicPr>
+          <p:nvPr/>
+        </p:nvPicPr>
+        <p:blipFill>
+          <a:blip r:embed="rId3"/>
+          <a:stretch>
+            <a:fillRect/>
+          </a:stretch>
+        </p:blipFill>
+        <p:spPr>
+          <a:xfrm>
+            <a:off x="7086633" y="4754022"/>
+            <a:ext cx="4808086" cy="1873280"/>
+          </a:xfrm>
+          <a:prstGeom prst="rect">
+            <a:avLst/>
+          </a:prstGeom>
+        </p:spPr>
+      </p:pic>
     </p:spTree>
     <p:extLst>
       <p:ext uri="{BB962C8B-B14F-4D97-AF65-F5344CB8AC3E}">
@@ -4344,6 +4497,36 @@
           <a:chExt cx="0" cy="0"/>
         </a:xfrm>
       </p:grpSpPr>
+      <p:pic>
+        <p:nvPicPr>
+          <p:cNvPr id="2" name="그림 1">
+            <a:extLst>
+              <a:ext uri="{FF2B5EF4-FFF2-40B4-BE49-F238E27FC236}">
+                <a16:creationId xmlns:a16="http://schemas.microsoft.com/office/drawing/2014/main" id="{8570D79D-FDD4-4653-8688-0A7352BCFFE4}"/>
+              </a:ext>
+            </a:extLst>
+          </p:cNvPr>
+          <p:cNvPicPr>
+            <a:picLocks noChangeAspect="1"/>
+          </p:cNvPicPr>
+          <p:nvPr/>
+        </p:nvPicPr>
+        <p:blipFill>
+          <a:blip r:embed="rId2"/>
+          <a:stretch>
+            <a:fillRect/>
+          </a:stretch>
+        </p:blipFill>
+        <p:spPr>
+          <a:xfrm>
+            <a:off x="266569" y="771727"/>
+            <a:ext cx="8135485" cy="5868219"/>
+          </a:xfrm>
+          <a:prstGeom prst="rect">
+            <a:avLst/>
+          </a:prstGeom>
+        </p:spPr>
+      </p:pic>
     </p:spTree>
     <p:extLst>
       <p:ext uri="{BB962C8B-B14F-4D97-AF65-F5344CB8AC3E}">
@@ -4374,6 +4557,66 @@
           <a:chExt cx="0" cy="0"/>
         </a:xfrm>
       </p:grpSpPr>
+      <p:pic>
+        <p:nvPicPr>
+          <p:cNvPr id="3" name="그림 2">
+            <a:extLst>
+              <a:ext uri="{FF2B5EF4-FFF2-40B4-BE49-F238E27FC236}">
+                <a16:creationId xmlns:a16="http://schemas.microsoft.com/office/drawing/2014/main" id="{4C751982-9D93-4E1A-9D4C-1B80F6CCEC2A}"/>
+              </a:ext>
+            </a:extLst>
+          </p:cNvPr>
+          <p:cNvPicPr>
+            <a:picLocks noChangeAspect="1"/>
+          </p:cNvPicPr>
+          <p:nvPr/>
+        </p:nvPicPr>
+        <p:blipFill>
+          <a:blip r:embed="rId2"/>
+          <a:stretch>
+            <a:fillRect/>
+          </a:stretch>
+        </p:blipFill>
+        <p:spPr>
+          <a:xfrm>
+            <a:off x="308369" y="385046"/>
+            <a:ext cx="6142718" cy="4178565"/>
+          </a:xfrm>
+          <a:prstGeom prst="rect">
+            <a:avLst/>
+          </a:prstGeom>
+        </p:spPr>
+      </p:pic>
+      <p:pic>
+        <p:nvPicPr>
+          <p:cNvPr id="4" name="그림 3">
+            <a:extLst>
+              <a:ext uri="{FF2B5EF4-FFF2-40B4-BE49-F238E27FC236}">
+                <a16:creationId xmlns:a16="http://schemas.microsoft.com/office/drawing/2014/main" id="{82504126-C8F3-463E-A00C-30D033942805}"/>
+              </a:ext>
+            </a:extLst>
+          </p:cNvPr>
+          <p:cNvPicPr>
+            <a:picLocks noChangeAspect="1"/>
+          </p:cNvPicPr>
+          <p:nvPr/>
+        </p:nvPicPr>
+        <p:blipFill>
+          <a:blip r:embed="rId3"/>
+          <a:stretch>
+            <a:fillRect/>
+          </a:stretch>
+        </p:blipFill>
+        <p:spPr>
+          <a:xfrm>
+            <a:off x="6940835" y="725087"/>
+            <a:ext cx="4467849" cy="5525271"/>
+          </a:xfrm>
+          <a:prstGeom prst="rect">
+            <a:avLst/>
+          </a:prstGeom>
+        </p:spPr>
+      </p:pic>
     </p:spTree>
     <p:extLst>
       <p:ext uri="{BB962C8B-B14F-4D97-AF65-F5344CB8AC3E}">
